--- a/Topic A Programming Environment/A.1 Lesson - GitHub Repositories.pptx
+++ b/Topic A Programming Environment/A.1 Lesson - GitHub Repositories.pptx
@@ -109,6 +109,22 @@
       </a:defRPr>
     </a:lvl9pPr>
   </p:defaultTextStyle>
+  <p:extLst>
+    <p:ext uri="{EFAFB233-063F-42B5-8137-9DF3F51BA10A}">
+      <p15:sldGuideLst xmlns:p15="http://schemas.microsoft.com/office/powerpoint/2012/main">
+        <p15:guide id="1" orient="horz" pos="2160">
+          <p15:clr>
+            <a:srgbClr val="A4A3A4"/>
+          </p15:clr>
+        </p15:guide>
+        <p15:guide id="2" pos="2880">
+          <p15:clr>
+            <a:srgbClr val="A4A3A4"/>
+          </p15:clr>
+        </p15:guide>
+      </p15:sldGuideLst>
+    </p:ext>
+  </p:extLst>
 </p:presentation>
 </file>
 
@@ -294,7 +310,7 @@
             <a:fld id="{1D8BD707-D9CF-40AE-B4C6-C98DA3205C09}" type="datetimeFigureOut">
               <a:rPr lang="en-US" smtClean="0"/>
               <a:pPr/>
-              <a:t>9/8/2019</a:t>
+              <a:t>9/9/2019</a:t>
             </a:fld>
             <a:endParaRPr lang="en-US"/>
           </a:p>
@@ -461,7 +477,7 @@
             <a:fld id="{1D8BD707-D9CF-40AE-B4C6-C98DA3205C09}" type="datetimeFigureOut">
               <a:rPr lang="en-US" smtClean="0"/>
               <a:pPr/>
-              <a:t>9/8/2019</a:t>
+              <a:t>9/9/2019</a:t>
             </a:fld>
             <a:endParaRPr lang="en-US"/>
           </a:p>
@@ -638,7 +654,7 @@
             <a:fld id="{1D8BD707-D9CF-40AE-B4C6-C98DA3205C09}" type="datetimeFigureOut">
               <a:rPr lang="en-US" smtClean="0"/>
               <a:pPr/>
-              <a:t>9/8/2019</a:t>
+              <a:t>9/9/2019</a:t>
             </a:fld>
             <a:endParaRPr lang="en-US"/>
           </a:p>
@@ -805,7 +821,7 @@
             <a:fld id="{1D8BD707-D9CF-40AE-B4C6-C98DA3205C09}" type="datetimeFigureOut">
               <a:rPr lang="en-US" smtClean="0"/>
               <a:pPr/>
-              <a:t>9/8/2019</a:t>
+              <a:t>9/9/2019</a:t>
             </a:fld>
             <a:endParaRPr lang="en-US"/>
           </a:p>
@@ -1048,7 +1064,7 @@
             <a:fld id="{1D8BD707-D9CF-40AE-B4C6-C98DA3205C09}" type="datetimeFigureOut">
               <a:rPr lang="en-US" smtClean="0"/>
               <a:pPr/>
-              <a:t>9/8/2019</a:t>
+              <a:t>9/9/2019</a:t>
             </a:fld>
             <a:endParaRPr lang="en-US"/>
           </a:p>
@@ -1333,7 +1349,7 @@
             <a:fld id="{1D8BD707-D9CF-40AE-B4C6-C98DA3205C09}" type="datetimeFigureOut">
               <a:rPr lang="en-US" smtClean="0"/>
               <a:pPr/>
-              <a:t>9/8/2019</a:t>
+              <a:t>9/9/2019</a:t>
             </a:fld>
             <a:endParaRPr lang="en-US"/>
           </a:p>
@@ -1752,7 +1768,7 @@
             <a:fld id="{1D8BD707-D9CF-40AE-B4C6-C98DA3205C09}" type="datetimeFigureOut">
               <a:rPr lang="en-US" smtClean="0"/>
               <a:pPr/>
-              <a:t>9/8/2019</a:t>
+              <a:t>9/9/2019</a:t>
             </a:fld>
             <a:endParaRPr lang="en-US"/>
           </a:p>
@@ -1867,7 +1883,7 @@
             <a:fld id="{1D8BD707-D9CF-40AE-B4C6-C98DA3205C09}" type="datetimeFigureOut">
               <a:rPr lang="en-US" smtClean="0"/>
               <a:pPr/>
-              <a:t>9/8/2019</a:t>
+              <a:t>9/9/2019</a:t>
             </a:fld>
             <a:endParaRPr lang="en-US"/>
           </a:p>
@@ -1959,7 +1975,7 @@
             <a:fld id="{1D8BD707-D9CF-40AE-B4C6-C98DA3205C09}" type="datetimeFigureOut">
               <a:rPr lang="en-US" smtClean="0"/>
               <a:pPr/>
-              <a:t>9/8/2019</a:t>
+              <a:t>9/9/2019</a:t>
             </a:fld>
             <a:endParaRPr lang="en-US"/>
           </a:p>
@@ -2233,7 +2249,7 @@
             <a:fld id="{1D8BD707-D9CF-40AE-B4C6-C98DA3205C09}" type="datetimeFigureOut">
               <a:rPr lang="en-US" smtClean="0"/>
               <a:pPr/>
-              <a:t>9/8/2019</a:t>
+              <a:t>9/9/2019</a:t>
             </a:fld>
             <a:endParaRPr lang="en-US"/>
           </a:p>
@@ -2483,7 +2499,7 @@
             <a:fld id="{1D8BD707-D9CF-40AE-B4C6-C98DA3205C09}" type="datetimeFigureOut">
               <a:rPr lang="en-US" smtClean="0"/>
               <a:pPr/>
-              <a:t>9/8/2019</a:t>
+              <a:t>9/9/2019</a:t>
             </a:fld>
             <a:endParaRPr lang="en-US"/>
           </a:p>
@@ -2693,7 +2709,7 @@
             <a:fld id="{1D8BD707-D9CF-40AE-B4C6-C98DA3205C09}" type="datetimeFigureOut">
               <a:rPr lang="en-US" smtClean="0"/>
               <a:pPr/>
-              <a:t>9/8/2019</a:t>
+              <a:t>9/9/2019</a:t>
             </a:fld>
             <a:endParaRPr lang="en-US"/>
           </a:p>
@@ -3108,11 +3124,7 @@
           <a:p>
             <a:r>
               <a:rPr lang="en-US" smtClean="0"/>
-              <a:t>Module </a:t>
-            </a:r>
-            <a:r>
-              <a:rPr lang="en-US" smtClean="0"/>
-              <a:t>A.1</a:t>
+              <a:t>Module A.1</a:t>
             </a:r>
             <a:endParaRPr lang="en-US" dirty="0"/>
           </a:p>
@@ -4160,7 +4172,7 @@
         <p:spPr/>
         <p:txBody>
           <a:bodyPr>
-            <a:normAutofit fontScale="92500" lnSpcReduction="20000"/>
+            <a:normAutofit fontScale="77500" lnSpcReduction="20000"/>
           </a:bodyPr>
           <a:lstStyle/>
           <a:p>
@@ -4172,20 +4184,68 @@
               <a:rPr lang="en-US" sz="2400" dirty="0" smtClean="0"/>
               <a:t>Open your web browser to: </a:t>
             </a:r>
-            <a:r>
-              <a:rPr lang="en-US" sz="2400" dirty="0" smtClean="0">
+            <a:endParaRPr lang="en-US" sz="2400" dirty="0" smtClean="0"/>
+          </a:p>
+          <a:p>
+            <a:pPr marL="914400" lvl="1" indent="-514350"/>
+            <a:r>
+              <a:rPr lang="en-CA" sz="2300" dirty="0" smtClean="0"/>
+              <a:t>Grade 10s: </a:t>
+            </a:r>
+            <a:r>
+              <a:rPr lang="en-US" sz="2300" dirty="0" smtClean="0">
                 <a:hlinkClick r:id="rId2"/>
               </a:rPr>
               <a:t>github.com/Greg5519/ICS2O0-B</a:t>
             </a:r>
-            <a:r>
-              <a:rPr lang="en-US" sz="2400" dirty="0" smtClean="0"/>
+            <a:endParaRPr lang="en-US" sz="2300" dirty="0" smtClean="0"/>
+          </a:p>
+          <a:p>
+            <a:pPr marL="914400" lvl="1" indent="-514350"/>
+            <a:r>
+              <a:rPr lang="en-CA" sz="2300" dirty="0"/>
+              <a:t>Grade </a:t>
+            </a:r>
+            <a:r>
+              <a:rPr lang="en-CA" sz="2300" dirty="0" smtClean="0"/>
+              <a:t>11s</a:t>
+            </a:r>
+            <a:r>
+              <a:rPr lang="en-CA" sz="2300" dirty="0"/>
+              <a:t>: </a:t>
+            </a:r>
+            <a:r>
+              <a:rPr lang="en-US" sz="2300" dirty="0" smtClean="0">
+                <a:hlinkClick r:id="rId2"/>
+              </a:rPr>
+              <a:t>github.com/Greg5519/ICS3C0-A</a:t>
+            </a:r>
+            <a:endParaRPr lang="en-US" sz="2300" dirty="0" smtClean="0"/>
+          </a:p>
+          <a:p>
+            <a:pPr marL="914400" lvl="1" indent="-514350"/>
+            <a:r>
+              <a:rPr lang="en-CA" sz="2300" dirty="0"/>
+              <a:t>Grade </a:t>
+            </a:r>
+            <a:r>
+              <a:rPr lang="en-CA" sz="2300" dirty="0" smtClean="0"/>
+              <a:t>12s: </a:t>
+            </a:r>
+            <a:r>
+              <a:rPr lang="en-US" sz="2300" dirty="0" smtClean="0">
+                <a:hlinkClick r:id="rId2"/>
+              </a:rPr>
+              <a:t>github.com/Greg5519/ICS4C0-A</a:t>
+            </a:r>
+            <a:r>
+              <a:rPr lang="en-US" sz="2000" dirty="0" smtClean="0"/>
               <a:t/>
             </a:r>
             <a:br>
-              <a:rPr lang="en-US" sz="2400" dirty="0" smtClean="0"/>
+              <a:rPr lang="en-US" sz="2000" dirty="0" smtClean="0"/>
             </a:br>
-            <a:endParaRPr lang="en-US" sz="2400" dirty="0" smtClean="0"/>
+            <a:endParaRPr lang="en-US" sz="2000" dirty="0" smtClean="0"/>
           </a:p>
           <a:p>
             <a:pPr marL="514350" indent="-514350">
@@ -4194,7 +4254,19 @@
             </a:pPr>
             <a:r>
               <a:rPr lang="en-US" sz="2400" dirty="0" smtClean="0"/>
-              <a:t>Bookmark this link as the "ICS2O0 Course Repository"</a:t>
+              <a:t>Bookmark this link as the "</a:t>
+            </a:r>
+            <a:r>
+              <a:rPr lang="en-US" sz="2400" dirty="0" err="1" smtClean="0"/>
+              <a:t>ICSxxx</a:t>
+            </a:r>
+            <a:r>
+              <a:rPr lang="en-US" sz="2400" dirty="0" smtClean="0"/>
+              <a:t> </a:t>
+            </a:r>
+            <a:r>
+              <a:rPr lang="en-US" sz="2400" dirty="0" smtClean="0"/>
+              <a:t>Course Repository"</a:t>
             </a:r>
             <a:br>
               <a:rPr lang="en-US" sz="2400" dirty="0" smtClean="0"/>
